--- a/Slides Final.pptx
+++ b/Slides Final.pptx
@@ -27,20 +27,20 @@
   <p:notesSz cx="6858000" cy="9144000"/>
   <p:embeddedFontLst>
     <p:embeddedFont>
-      <p:font typeface="Barlow" panose="00000500000000000000" pitchFamily="2" charset="0"/>
+      <p:font typeface="Barlow" pitchFamily="2" charset="77"/>
       <p:regular r:id="rId17"/>
       <p:bold r:id="rId18"/>
       <p:italic r:id="rId19"/>
       <p:boldItalic r:id="rId20"/>
     </p:embeddedFont>
     <p:embeddedFont>
-      <p:font typeface="Barlow Condensed ExtraBold" panose="00000906000000000000" pitchFamily="2" charset="0"/>
+      <p:font typeface="Barlow Condensed ExtraBold" panose="020F0502020204030204" pitchFamily="34" charset="0"/>
       <p:bold r:id="rId21"/>
       <p:italic r:id="rId22"/>
       <p:boldItalic r:id="rId23"/>
     </p:embeddedFont>
     <p:embeddedFont>
-      <p:font typeface="Barlow Medium" panose="00000600000000000000" pitchFamily="2" charset="0"/>
+      <p:font typeface="Barlow Medium" panose="020F0502020204030204" pitchFamily="34" charset="0"/>
       <p:regular r:id="rId24"/>
       <p:bold r:id="rId25"/>
       <p:italic r:id="rId26"/>
@@ -46373,8 +46373,8 @@
         </p:nvSpPr>
         <p:spPr>
           <a:xfrm>
-            <a:off x="2646000" y="381600"/>
-            <a:ext cx="5778000" cy="834900"/>
+            <a:off x="4676524" y="381600"/>
+            <a:ext cx="3953126" cy="834900"/>
           </a:xfrm>
           <a:prstGeom prst="rect">
             <a:avLst/>
@@ -46407,8 +46407,8 @@
         </p:nvSpPr>
         <p:spPr>
           <a:xfrm>
-            <a:off x="4484875" y="1216688"/>
-            <a:ext cx="3877500" cy="776988"/>
+            <a:off x="4805812" y="1110552"/>
+            <a:ext cx="3694550" cy="776988"/>
           </a:xfrm>
           <a:prstGeom prst="rect">
             <a:avLst/>
@@ -46763,7 +46763,7 @@
         </p:nvSpPr>
         <p:spPr>
           <a:xfrm>
-            <a:off x="2860600" y="96476"/>
+            <a:off x="2679775" y="96476"/>
             <a:ext cx="5778000" cy="834900"/>
           </a:xfrm>
           <a:prstGeom prst="rect">
@@ -47163,7 +47163,7 @@
         </p:nvSpPr>
         <p:spPr>
           <a:xfrm>
-            <a:off x="4756102" y="3251507"/>
+            <a:off x="4572000" y="3394001"/>
             <a:ext cx="3877500" cy="1510393"/>
           </a:xfrm>
           <a:prstGeom prst="rect">
